--- a/nat2.pptx
+++ b/nat2.pptx
@@ -4370,8 +4370,8 @@
         </p:nvSpPr>
         <p:spPr>
           <a:xfrm>
-            <a:off x="6786771" y="3100952"/>
-            <a:ext cx="1509824" cy="307777"/>
+            <a:off x="5639699" y="3491033"/>
+            <a:ext cx="2689704" cy="307777"/>
           </a:xfrm>
           <a:prstGeom prst="rect">
             <a:avLst/>
@@ -4386,7 +4386,7 @@
           <a:p>
             <a:r>
               <a:rPr lang="en-US" sz="1400" dirty="0"/>
-              <a:t>10.1.1.249</a:t>
+              <a:t>10.1.1.10            10.1.1.249</a:t>
             </a:r>
           </a:p>
         </p:txBody>
@@ -4405,8 +4405,8 @@
         </p:nvSpPr>
         <p:spPr>
           <a:xfrm>
-            <a:off x="4710871" y="3100952"/>
-            <a:ext cx="1509824" cy="307777"/>
+            <a:off x="4710870" y="2778562"/>
+            <a:ext cx="2397454" cy="307777"/>
           </a:xfrm>
           <a:prstGeom prst="rect">
             <a:avLst/>
@@ -4421,7 +4421,7 @@
           <a:p>
             <a:r>
               <a:rPr lang="en-US" sz="1400" dirty="0"/>
-              <a:t>10.1.1.251</a:t>
+              <a:t>10.1.1.251             10.1.1.10</a:t>
             </a:r>
           </a:p>
         </p:txBody>
@@ -4545,8 +4545,8 @@
         </p:nvSpPr>
         <p:spPr>
           <a:xfrm>
-            <a:off x="4710871" y="3433908"/>
-            <a:ext cx="1509824" cy="307777"/>
+            <a:off x="4710870" y="3050710"/>
+            <a:ext cx="2232187" cy="307777"/>
           </a:xfrm>
           <a:prstGeom prst="rect">
             <a:avLst/>
@@ -4561,11 +4561,134 @@
           <a:p>
             <a:r>
               <a:rPr lang="en-US" sz="1400" dirty="0"/>
-              <a:t>10.1.1.252</a:t>
-            </a:r>
-          </a:p>
-        </p:txBody>
-      </p:sp>
+              <a:t>10.1.1.252             10.1.1.11</a:t>
+            </a:r>
+          </a:p>
+        </p:txBody>
+      </p:sp>
+      <p:cxnSp>
+        <p:nvCxnSpPr>
+          <p:cNvPr id="4" name="Straight Arrow Connector 3">
+            <a:extLst>
+              <a:ext uri="{FF2B5EF4-FFF2-40B4-BE49-F238E27FC236}">
+                <a16:creationId xmlns:a16="http://schemas.microsoft.com/office/drawing/2014/main" id="{0BC5700F-1ED2-DB18-5577-BCD245E475C0}"/>
+              </a:ext>
+            </a:extLst>
+          </p:cNvPr>
+          <p:cNvCxnSpPr>
+            <a:cxnSpLocks/>
+          </p:cNvCxnSpPr>
+          <p:nvPr/>
+        </p:nvCxnSpPr>
+        <p:spPr>
+          <a:xfrm>
+            <a:off x="5607945" y="2932450"/>
+            <a:ext cx="488055" cy="0"/>
+          </a:xfrm>
+          <a:prstGeom prst="straightConnector1">
+            <a:avLst/>
+          </a:prstGeom>
+          <a:ln>
+            <a:tailEnd type="triangle"/>
+          </a:ln>
+        </p:spPr>
+        <p:style>
+          <a:lnRef idx="1">
+            <a:schemeClr val="accent1"/>
+          </a:lnRef>
+          <a:fillRef idx="0">
+            <a:schemeClr val="accent1"/>
+          </a:fillRef>
+          <a:effectRef idx="0">
+            <a:schemeClr val="accent1"/>
+          </a:effectRef>
+          <a:fontRef idx="minor">
+            <a:schemeClr val="tx1"/>
+          </a:fontRef>
+        </p:style>
+      </p:cxnSp>
+      <p:cxnSp>
+        <p:nvCxnSpPr>
+          <p:cNvPr id="19" name="Straight Arrow Connector 18">
+            <a:extLst>
+              <a:ext uri="{FF2B5EF4-FFF2-40B4-BE49-F238E27FC236}">
+                <a16:creationId xmlns:a16="http://schemas.microsoft.com/office/drawing/2014/main" id="{91F47DBE-09BA-19A7-B0B3-F980609C0B95}"/>
+              </a:ext>
+            </a:extLst>
+          </p:cNvPr>
+          <p:cNvCxnSpPr>
+            <a:cxnSpLocks/>
+          </p:cNvCxnSpPr>
+          <p:nvPr/>
+        </p:nvCxnSpPr>
+        <p:spPr>
+          <a:xfrm>
+            <a:off x="5598500" y="3191033"/>
+            <a:ext cx="488055" cy="0"/>
+          </a:xfrm>
+          <a:prstGeom prst="straightConnector1">
+            <a:avLst/>
+          </a:prstGeom>
+          <a:ln>
+            <a:tailEnd type="triangle"/>
+          </a:ln>
+        </p:spPr>
+        <p:style>
+          <a:lnRef idx="1">
+            <a:schemeClr val="accent1"/>
+          </a:lnRef>
+          <a:fillRef idx="0">
+            <a:schemeClr val="accent1"/>
+          </a:fillRef>
+          <a:effectRef idx="0">
+            <a:schemeClr val="accent1"/>
+          </a:effectRef>
+          <a:fontRef idx="minor">
+            <a:schemeClr val="tx1"/>
+          </a:fontRef>
+        </p:style>
+      </p:cxnSp>
+      <p:cxnSp>
+        <p:nvCxnSpPr>
+          <p:cNvPr id="21" name="Straight Arrow Connector 20">
+            <a:extLst>
+              <a:ext uri="{FF2B5EF4-FFF2-40B4-BE49-F238E27FC236}">
+                <a16:creationId xmlns:a16="http://schemas.microsoft.com/office/drawing/2014/main" id="{EF992D71-6445-9C04-4237-7F1A08715107}"/>
+              </a:ext>
+            </a:extLst>
+          </p:cNvPr>
+          <p:cNvCxnSpPr>
+            <a:cxnSpLocks/>
+          </p:cNvCxnSpPr>
+          <p:nvPr/>
+        </p:nvCxnSpPr>
+        <p:spPr>
+          <a:xfrm flipH="1">
+            <a:off x="6452831" y="3649696"/>
+            <a:ext cx="433573" cy="0"/>
+          </a:xfrm>
+          <a:prstGeom prst="straightConnector1">
+            <a:avLst/>
+          </a:prstGeom>
+          <a:ln>
+            <a:tailEnd type="triangle"/>
+          </a:ln>
+        </p:spPr>
+        <p:style>
+          <a:lnRef idx="1">
+            <a:schemeClr val="accent1"/>
+          </a:lnRef>
+          <a:fillRef idx="0">
+            <a:schemeClr val="accent1"/>
+          </a:fillRef>
+          <a:effectRef idx="0">
+            <a:schemeClr val="accent1"/>
+          </a:effectRef>
+          <a:fontRef idx="minor">
+            <a:schemeClr val="tx1"/>
+          </a:fontRef>
+        </p:style>
+      </p:cxnSp>
     </p:spTree>
     <p:extLst>
       <p:ext uri="{BB962C8B-B14F-4D97-AF65-F5344CB8AC3E}">

--- a/nat2.pptx
+++ b/nat2.pptx
@@ -259,7 +259,7 @@
           <a:p>
             <a:fld id="{33A59CAF-8575-4422-BD60-FC67DC310550}" type="datetimeFigureOut">
               <a:rPr lang="en-US" smtClean="0"/>
-              <a:t>6/23/2023</a:t>
+              <a:t>6/26/2023</a:t>
             </a:fld>
             <a:endParaRPr lang="en-US"/>
           </a:p>
@@ -457,7 +457,7 @@
           <a:p>
             <a:fld id="{33A59CAF-8575-4422-BD60-FC67DC310550}" type="datetimeFigureOut">
               <a:rPr lang="en-US" smtClean="0"/>
-              <a:t>6/23/2023</a:t>
+              <a:t>6/26/2023</a:t>
             </a:fld>
             <a:endParaRPr lang="en-US"/>
           </a:p>
@@ -665,7 +665,7 @@
           <a:p>
             <a:fld id="{33A59CAF-8575-4422-BD60-FC67DC310550}" type="datetimeFigureOut">
               <a:rPr lang="en-US" smtClean="0"/>
-              <a:t>6/23/2023</a:t>
+              <a:t>6/26/2023</a:t>
             </a:fld>
             <a:endParaRPr lang="en-US"/>
           </a:p>
@@ -863,7 +863,7 @@
           <a:p>
             <a:fld id="{33A59CAF-8575-4422-BD60-FC67DC310550}" type="datetimeFigureOut">
               <a:rPr lang="en-US" smtClean="0"/>
-              <a:t>6/23/2023</a:t>
+              <a:t>6/26/2023</a:t>
             </a:fld>
             <a:endParaRPr lang="en-US"/>
           </a:p>
@@ -1138,7 +1138,7 @@
           <a:p>
             <a:fld id="{33A59CAF-8575-4422-BD60-FC67DC310550}" type="datetimeFigureOut">
               <a:rPr lang="en-US" smtClean="0"/>
-              <a:t>6/23/2023</a:t>
+              <a:t>6/26/2023</a:t>
             </a:fld>
             <a:endParaRPr lang="en-US"/>
           </a:p>
@@ -1403,7 +1403,7 @@
           <a:p>
             <a:fld id="{33A59CAF-8575-4422-BD60-FC67DC310550}" type="datetimeFigureOut">
               <a:rPr lang="en-US" smtClean="0"/>
-              <a:t>6/23/2023</a:t>
+              <a:t>6/26/2023</a:t>
             </a:fld>
             <a:endParaRPr lang="en-US"/>
           </a:p>
@@ -1815,7 +1815,7 @@
           <a:p>
             <a:fld id="{33A59CAF-8575-4422-BD60-FC67DC310550}" type="datetimeFigureOut">
               <a:rPr lang="en-US" smtClean="0"/>
-              <a:t>6/23/2023</a:t>
+              <a:t>6/26/2023</a:t>
             </a:fld>
             <a:endParaRPr lang="en-US"/>
           </a:p>
@@ -1956,7 +1956,7 @@
           <a:p>
             <a:fld id="{33A59CAF-8575-4422-BD60-FC67DC310550}" type="datetimeFigureOut">
               <a:rPr lang="en-US" smtClean="0"/>
-              <a:t>6/23/2023</a:t>
+              <a:t>6/26/2023</a:t>
             </a:fld>
             <a:endParaRPr lang="en-US"/>
           </a:p>
@@ -2069,7 +2069,7 @@
           <a:p>
             <a:fld id="{33A59CAF-8575-4422-BD60-FC67DC310550}" type="datetimeFigureOut">
               <a:rPr lang="en-US" smtClean="0"/>
-              <a:t>6/23/2023</a:t>
+              <a:t>6/26/2023</a:t>
             </a:fld>
             <a:endParaRPr lang="en-US"/>
           </a:p>
@@ -2380,7 +2380,7 @@
           <a:p>
             <a:fld id="{33A59CAF-8575-4422-BD60-FC67DC310550}" type="datetimeFigureOut">
               <a:rPr lang="en-US" smtClean="0"/>
-              <a:t>6/23/2023</a:t>
+              <a:t>6/26/2023</a:t>
             </a:fld>
             <a:endParaRPr lang="en-US"/>
           </a:p>
@@ -2668,7 +2668,7 @@
           <a:p>
             <a:fld id="{33A59CAF-8575-4422-BD60-FC67DC310550}" type="datetimeFigureOut">
               <a:rPr lang="en-US" smtClean="0"/>
-              <a:t>6/23/2023</a:t>
+              <a:t>6/26/2023</a:t>
             </a:fld>
             <a:endParaRPr lang="en-US"/>
           </a:p>
@@ -2909,7 +2909,7 @@
           <a:p>
             <a:fld id="{33A59CAF-8575-4422-BD60-FC67DC310550}" type="datetimeFigureOut">
               <a:rPr lang="en-US" smtClean="0"/>
-              <a:t>6/23/2023</a:t>
+              <a:t>6/26/2023</a:t>
             </a:fld>
             <a:endParaRPr lang="en-US"/>
           </a:p>
@@ -3663,7 +3663,7 @@
         </p:nvSpPr>
         <p:spPr>
           <a:xfrm>
-            <a:off x="2004818" y="4034932"/>
+            <a:off x="1935084" y="4170547"/>
             <a:ext cx="1509824" cy="383127"/>
           </a:xfrm>
           <a:prstGeom prst="rect">
@@ -3889,7 +3889,7 @@
         <p:spPr>
           <a:xfrm>
             <a:off x="8341764" y="1281665"/>
-            <a:ext cx="0" cy="4539748"/>
+            <a:ext cx="0" cy="4778893"/>
           </a:xfrm>
           <a:prstGeom prst="line">
             <a:avLst/>
@@ -4370,7 +4370,7 @@
         </p:nvSpPr>
         <p:spPr>
           <a:xfrm>
-            <a:off x="5639699" y="3491033"/>
+            <a:off x="5612979" y="3601304"/>
             <a:ext cx="2689704" cy="307777"/>
           </a:xfrm>
           <a:prstGeom prst="rect">
@@ -4386,7 +4386,7 @@
           <a:p>
             <a:r>
               <a:rPr lang="en-US" sz="1400" dirty="0"/>
-              <a:t>10.1.1.10            10.1.1.249</a:t>
+              <a:t>10.1.1.23            10.1.1.249</a:t>
             </a:r>
           </a:p>
         </p:txBody>
@@ -4405,7 +4405,7 @@
         </p:nvSpPr>
         <p:spPr>
           <a:xfrm>
-            <a:off x="4710870" y="2778562"/>
+            <a:off x="4690767" y="2960246"/>
             <a:ext cx="2397454" cy="307777"/>
           </a:xfrm>
           <a:prstGeom prst="rect">
@@ -4421,7 +4421,7 @@
           <a:p>
             <a:r>
               <a:rPr lang="en-US" sz="1400" dirty="0"/>
-              <a:t>10.1.1.251             10.1.1.10</a:t>
+              <a:t>10.1.1.251             10.1.1.11</a:t>
             </a:r>
           </a:p>
         </p:txBody>
@@ -4527,41 +4527,6 @@
             <a:r>
               <a:rPr lang="en-US" sz="1400" dirty="0"/>
               <a:t>10.1.1.23</a:t>
-            </a:r>
-          </a:p>
-        </p:txBody>
-      </p:sp>
-      <p:sp>
-        <p:nvSpPr>
-          <p:cNvPr id="2" name="TextBox 1">
-            <a:extLst>
-              <a:ext uri="{FF2B5EF4-FFF2-40B4-BE49-F238E27FC236}">
-                <a16:creationId xmlns:a16="http://schemas.microsoft.com/office/drawing/2014/main" id="{6A04AD08-F21E-5E9F-81CE-BC628460BF54}"/>
-              </a:ext>
-            </a:extLst>
-          </p:cNvPr>
-          <p:cNvSpPr txBox="1"/>
-          <p:nvPr/>
-        </p:nvSpPr>
-        <p:spPr>
-          <a:xfrm>
-            <a:off x="4710870" y="3050710"/>
-            <a:ext cx="2232187" cy="307777"/>
-          </a:xfrm>
-          <a:prstGeom prst="rect">
-            <a:avLst/>
-          </a:prstGeom>
-          <a:noFill/>
-        </p:spPr>
-        <p:txBody>
-          <a:bodyPr wrap="square" rtlCol="0">
-            <a:spAutoFit/>
-          </a:bodyPr>
-          <a:lstStyle/>
-          <a:p>
-            <a:r>
-              <a:rPr lang="en-US" sz="1400" dirty="0"/>
-              <a:t>10.1.1.252             10.1.1.11</a:t>
             </a:r>
           </a:p>
         </p:txBody>
@@ -4582,48 +4547,7 @@
         </p:nvCxnSpPr>
         <p:spPr>
           <a:xfrm>
-            <a:off x="5607945" y="2932450"/>
-            <a:ext cx="488055" cy="0"/>
-          </a:xfrm>
-          <a:prstGeom prst="straightConnector1">
-            <a:avLst/>
-          </a:prstGeom>
-          <a:ln>
-            <a:tailEnd type="triangle"/>
-          </a:ln>
-        </p:spPr>
-        <p:style>
-          <a:lnRef idx="1">
-            <a:schemeClr val="accent1"/>
-          </a:lnRef>
-          <a:fillRef idx="0">
-            <a:schemeClr val="accent1"/>
-          </a:fillRef>
-          <a:effectRef idx="0">
-            <a:schemeClr val="accent1"/>
-          </a:effectRef>
-          <a:fontRef idx="minor">
-            <a:schemeClr val="tx1"/>
-          </a:fontRef>
-        </p:style>
-      </p:cxnSp>
-      <p:cxnSp>
-        <p:nvCxnSpPr>
-          <p:cNvPr id="19" name="Straight Arrow Connector 18">
-            <a:extLst>
-              <a:ext uri="{FF2B5EF4-FFF2-40B4-BE49-F238E27FC236}">
-                <a16:creationId xmlns:a16="http://schemas.microsoft.com/office/drawing/2014/main" id="{91F47DBE-09BA-19A7-B0B3-F980609C0B95}"/>
-              </a:ext>
-            </a:extLst>
-          </p:cNvPr>
-          <p:cNvCxnSpPr>
-            <a:cxnSpLocks/>
-          </p:cNvCxnSpPr>
-          <p:nvPr/>
-        </p:nvCxnSpPr>
-        <p:spPr>
-          <a:xfrm>
-            <a:off x="5598500" y="3191033"/>
+            <a:off x="5587842" y="3114134"/>
             <a:ext cx="488055" cy="0"/>
           </a:xfrm>
           <a:prstGeom prst="straightConnector1">
@@ -4664,7 +4588,7 @@
         </p:nvCxnSpPr>
         <p:spPr>
           <a:xfrm flipH="1">
-            <a:off x="6452831" y="3649696"/>
+            <a:off x="6396178" y="3755192"/>
             <a:ext cx="433573" cy="0"/>
           </a:xfrm>
           <a:prstGeom prst="straightConnector1">
@@ -4689,6 +4613,189 @@
           </a:fontRef>
         </p:style>
       </p:cxnSp>
+      <p:sp>
+        <p:nvSpPr>
+          <p:cNvPr id="11" name="Freeform: Shape 10">
+            <a:extLst>
+              <a:ext uri="{FF2B5EF4-FFF2-40B4-BE49-F238E27FC236}">
+                <a16:creationId xmlns:a16="http://schemas.microsoft.com/office/drawing/2014/main" id="{190AE729-132B-1181-E0B0-CDA935D3EC1C}"/>
+              </a:ext>
+            </a:extLst>
+          </p:cNvPr>
+          <p:cNvSpPr/>
+          <p:nvPr/>
+        </p:nvSpPr>
+        <p:spPr>
+          <a:xfrm>
+            <a:off x="1775637" y="3483919"/>
+            <a:ext cx="8335926" cy="1321997"/>
+          </a:xfrm>
+          <a:custGeom>
+            <a:avLst/>
+            <a:gdLst>
+              <a:gd name="connsiteX0" fmla="*/ 0 w 8397192"/>
+              <a:gd name="connsiteY0" fmla="*/ 558070 h 1363162"/>
+              <a:gd name="connsiteX1" fmla="*/ 2456121 w 8397192"/>
+              <a:gd name="connsiteY1" fmla="*/ 558070 h 1363162"/>
+              <a:gd name="connsiteX2" fmla="*/ 3104707 w 8397192"/>
+              <a:gd name="connsiteY2" fmla="*/ 122135 h 1363162"/>
+              <a:gd name="connsiteX3" fmla="*/ 6156251 w 8397192"/>
+              <a:gd name="connsiteY3" fmla="*/ 68972 h 1363162"/>
+              <a:gd name="connsiteX4" fmla="*/ 6464596 w 8397192"/>
+              <a:gd name="connsiteY4" fmla="*/ 994005 h 1363162"/>
+              <a:gd name="connsiteX5" fmla="*/ 8335926 w 8397192"/>
+              <a:gd name="connsiteY5" fmla="*/ 1323614 h 1363162"/>
+              <a:gd name="connsiteX6" fmla="*/ 7761768 w 8397192"/>
+              <a:gd name="connsiteY6" fmla="*/ 1344879 h 1363162"/>
+              <a:gd name="connsiteX0" fmla="*/ 0 w 8335926"/>
+              <a:gd name="connsiteY0" fmla="*/ 558070 h 1323614"/>
+              <a:gd name="connsiteX1" fmla="*/ 2456121 w 8335926"/>
+              <a:gd name="connsiteY1" fmla="*/ 558070 h 1323614"/>
+              <a:gd name="connsiteX2" fmla="*/ 3104707 w 8335926"/>
+              <a:gd name="connsiteY2" fmla="*/ 122135 h 1323614"/>
+              <a:gd name="connsiteX3" fmla="*/ 6156251 w 8335926"/>
+              <a:gd name="connsiteY3" fmla="*/ 68972 h 1323614"/>
+              <a:gd name="connsiteX4" fmla="*/ 6464596 w 8335926"/>
+              <a:gd name="connsiteY4" fmla="*/ 994005 h 1323614"/>
+              <a:gd name="connsiteX5" fmla="*/ 8335926 w 8335926"/>
+              <a:gd name="connsiteY5" fmla="*/ 1323614 h 1323614"/>
+              <a:gd name="connsiteX0" fmla="*/ 0 w 8335926"/>
+              <a:gd name="connsiteY0" fmla="*/ 580896 h 1410992"/>
+              <a:gd name="connsiteX1" fmla="*/ 2456121 w 8335926"/>
+              <a:gd name="connsiteY1" fmla="*/ 580896 h 1410992"/>
+              <a:gd name="connsiteX2" fmla="*/ 3104707 w 8335926"/>
+              <a:gd name="connsiteY2" fmla="*/ 144961 h 1410992"/>
+              <a:gd name="connsiteX3" fmla="*/ 6156251 w 8335926"/>
+              <a:gd name="connsiteY3" fmla="*/ 91798 h 1410992"/>
+              <a:gd name="connsiteX4" fmla="*/ 6485861 w 8335926"/>
+              <a:gd name="connsiteY4" fmla="*/ 1325175 h 1410992"/>
+              <a:gd name="connsiteX5" fmla="*/ 8335926 w 8335926"/>
+              <a:gd name="connsiteY5" fmla="*/ 1346440 h 1410992"/>
+              <a:gd name="connsiteX0" fmla="*/ 0 w 8335926"/>
+              <a:gd name="connsiteY0" fmla="*/ 520459 h 1344281"/>
+              <a:gd name="connsiteX1" fmla="*/ 2456121 w 8335926"/>
+              <a:gd name="connsiteY1" fmla="*/ 520459 h 1344281"/>
+              <a:gd name="connsiteX2" fmla="*/ 3104707 w 8335926"/>
+              <a:gd name="connsiteY2" fmla="*/ 84524 h 1344281"/>
+              <a:gd name="connsiteX3" fmla="*/ 6060558 w 8335926"/>
+              <a:gd name="connsiteY3" fmla="*/ 116421 h 1344281"/>
+              <a:gd name="connsiteX4" fmla="*/ 6485861 w 8335926"/>
+              <a:gd name="connsiteY4" fmla="*/ 1264738 h 1344281"/>
+              <a:gd name="connsiteX5" fmla="*/ 8335926 w 8335926"/>
+              <a:gd name="connsiteY5" fmla="*/ 1286003 h 1344281"/>
+              <a:gd name="connsiteX0" fmla="*/ 0 w 8335926"/>
+              <a:gd name="connsiteY0" fmla="*/ 562632 h 1386454"/>
+              <a:gd name="connsiteX1" fmla="*/ 2456121 w 8335926"/>
+              <a:gd name="connsiteY1" fmla="*/ 562632 h 1386454"/>
+              <a:gd name="connsiteX2" fmla="*/ 3104707 w 8335926"/>
+              <a:gd name="connsiteY2" fmla="*/ 52269 h 1386454"/>
+              <a:gd name="connsiteX3" fmla="*/ 6060558 w 8335926"/>
+              <a:gd name="connsiteY3" fmla="*/ 158594 h 1386454"/>
+              <a:gd name="connsiteX4" fmla="*/ 6485861 w 8335926"/>
+              <a:gd name="connsiteY4" fmla="*/ 1306911 h 1386454"/>
+              <a:gd name="connsiteX5" fmla="*/ 8335926 w 8335926"/>
+              <a:gd name="connsiteY5" fmla="*/ 1328176 h 1386454"/>
+              <a:gd name="connsiteX0" fmla="*/ 0 w 8335926"/>
+              <a:gd name="connsiteY0" fmla="*/ 556453 h 1321997"/>
+              <a:gd name="connsiteX1" fmla="*/ 2456121 w 8335926"/>
+              <a:gd name="connsiteY1" fmla="*/ 556453 h 1321997"/>
+              <a:gd name="connsiteX2" fmla="*/ 3104707 w 8335926"/>
+              <a:gd name="connsiteY2" fmla="*/ 46090 h 1321997"/>
+              <a:gd name="connsiteX3" fmla="*/ 6060558 w 8335926"/>
+              <a:gd name="connsiteY3" fmla="*/ 152415 h 1321997"/>
+              <a:gd name="connsiteX4" fmla="*/ 6445520 w 8335926"/>
+              <a:gd name="connsiteY4" fmla="*/ 1179708 h 1321997"/>
+              <a:gd name="connsiteX5" fmla="*/ 8335926 w 8335926"/>
+              <a:gd name="connsiteY5" fmla="*/ 1321997 h 1321997"/>
+            </a:gdLst>
+            <a:ahLst/>
+            <a:cxnLst>
+              <a:cxn ang="0">
+                <a:pos x="connsiteX0" y="connsiteY0"/>
+              </a:cxn>
+              <a:cxn ang="0">
+                <a:pos x="connsiteX1" y="connsiteY1"/>
+              </a:cxn>
+              <a:cxn ang="0">
+                <a:pos x="connsiteX2" y="connsiteY2"/>
+              </a:cxn>
+              <a:cxn ang="0">
+                <a:pos x="connsiteX3" y="connsiteY3"/>
+              </a:cxn>
+              <a:cxn ang="0">
+                <a:pos x="connsiteX4" y="connsiteY4"/>
+              </a:cxn>
+              <a:cxn ang="0">
+                <a:pos x="connsiteX5" y="connsiteY5"/>
+              </a:cxn>
+            </a:cxnLst>
+            <a:rect l="l" t="t" r="r" b="b"/>
+            <a:pathLst>
+              <a:path w="8335926" h="1321997">
+                <a:moveTo>
+                  <a:pt x="0" y="556453"/>
+                </a:moveTo>
+                <a:cubicBezTo>
+                  <a:pt x="969335" y="592781"/>
+                  <a:pt x="1938670" y="641513"/>
+                  <a:pt x="2456121" y="556453"/>
+                </a:cubicBezTo>
+                <a:cubicBezTo>
+                  <a:pt x="2973572" y="471393"/>
+                  <a:pt x="2503968" y="113430"/>
+                  <a:pt x="3104707" y="46090"/>
+                </a:cubicBezTo>
+                <a:cubicBezTo>
+                  <a:pt x="3705447" y="-21250"/>
+                  <a:pt x="5503756" y="-36521"/>
+                  <a:pt x="6060558" y="152415"/>
+                </a:cubicBezTo>
+                <a:cubicBezTo>
+                  <a:pt x="6617360" y="341351"/>
+                  <a:pt x="6066292" y="984778"/>
+                  <a:pt x="6445520" y="1179708"/>
+                </a:cubicBezTo>
+                <a:cubicBezTo>
+                  <a:pt x="6824748" y="1374638"/>
+                  <a:pt x="8119731" y="1263518"/>
+                  <a:pt x="8335926" y="1321997"/>
+                </a:cubicBezTo>
+              </a:path>
+            </a:pathLst>
+          </a:custGeom>
+          <a:noFill/>
+          <a:ln w="25400">
+            <a:solidFill>
+              <a:srgbClr val="C00000"/>
+            </a:solidFill>
+            <a:prstDash val="dash"/>
+          </a:ln>
+        </p:spPr>
+        <p:style>
+          <a:lnRef idx="2">
+            <a:schemeClr val="accent1">
+              <a:shade val="50000"/>
+            </a:schemeClr>
+          </a:lnRef>
+          <a:fillRef idx="1">
+            <a:schemeClr val="accent1"/>
+          </a:fillRef>
+          <a:effectRef idx="0">
+            <a:schemeClr val="accent1"/>
+          </a:effectRef>
+          <a:fontRef idx="minor">
+            <a:schemeClr val="lt1"/>
+          </a:fontRef>
+        </p:style>
+        <p:txBody>
+          <a:bodyPr rtlCol="0" anchor="ctr"/>
+          <a:lstStyle/>
+          <a:p>
+            <a:pPr algn="ctr"/>
+            <a:endParaRPr lang="en-US"/>
+          </a:p>
+        </p:txBody>
+      </p:sp>
     </p:spTree>
     <p:extLst>
       <p:ext uri="{BB962C8B-B14F-4D97-AF65-F5344CB8AC3E}">
